--- a/other/PGL - Prezentacja.pptx
+++ b/other/PGL - Prezentacja.pptx
@@ -109,6 +109,11 @@
       </a:defRPr>
     </a:lvl9pPr>
   </p:defaultTextStyle>
+  <p:extLst>
+    <p:ext uri="{EFAFB233-063F-42B5-8137-9DF3F51BA10A}">
+      <p15:sldGuideLst xmlns:p15="http://schemas.microsoft.com/office/powerpoint/2012/main"/>
+    </p:ext>
+  </p:extLst>
 </p:presentation>
 </file>
 
@@ -259,7 +264,7 @@
           <a:p>
             <a:fld id="{E78A12F8-3B6C-484A-82B1-35730D0D7E4C}" type="datetimeFigureOut">
               <a:rPr lang="pl-PL" smtClean="0"/>
-              <a:t>20.06.2022</a:t>
+              <a:t>06.07.2022</a:t>
             </a:fld>
             <a:endParaRPr lang="pl-PL"/>
           </a:p>
@@ -457,7 +462,7 @@
           <a:p>
             <a:fld id="{E78A12F8-3B6C-484A-82B1-35730D0D7E4C}" type="datetimeFigureOut">
               <a:rPr lang="pl-PL" smtClean="0"/>
-              <a:t>20.06.2022</a:t>
+              <a:t>06.07.2022</a:t>
             </a:fld>
             <a:endParaRPr lang="pl-PL"/>
           </a:p>
@@ -665,7 +670,7 @@
           <a:p>
             <a:fld id="{E78A12F8-3B6C-484A-82B1-35730D0D7E4C}" type="datetimeFigureOut">
               <a:rPr lang="pl-PL" smtClean="0"/>
-              <a:t>20.06.2022</a:t>
+              <a:t>06.07.2022</a:t>
             </a:fld>
             <a:endParaRPr lang="pl-PL"/>
           </a:p>
@@ -863,7 +868,7 @@
           <a:p>
             <a:fld id="{E78A12F8-3B6C-484A-82B1-35730D0D7E4C}" type="datetimeFigureOut">
               <a:rPr lang="pl-PL" smtClean="0"/>
-              <a:t>20.06.2022</a:t>
+              <a:t>06.07.2022</a:t>
             </a:fld>
             <a:endParaRPr lang="pl-PL"/>
           </a:p>
@@ -1138,7 +1143,7 @@
           <a:p>
             <a:fld id="{E78A12F8-3B6C-484A-82B1-35730D0D7E4C}" type="datetimeFigureOut">
               <a:rPr lang="pl-PL" smtClean="0"/>
-              <a:t>20.06.2022</a:t>
+              <a:t>06.07.2022</a:t>
             </a:fld>
             <a:endParaRPr lang="pl-PL"/>
           </a:p>
@@ -1403,7 +1408,7 @@
           <a:p>
             <a:fld id="{E78A12F8-3B6C-484A-82B1-35730D0D7E4C}" type="datetimeFigureOut">
               <a:rPr lang="pl-PL" smtClean="0"/>
-              <a:t>20.06.2022</a:t>
+              <a:t>06.07.2022</a:t>
             </a:fld>
             <a:endParaRPr lang="pl-PL"/>
           </a:p>
@@ -1815,7 +1820,7 @@
           <a:p>
             <a:fld id="{E78A12F8-3B6C-484A-82B1-35730D0D7E4C}" type="datetimeFigureOut">
               <a:rPr lang="pl-PL" smtClean="0"/>
-              <a:t>20.06.2022</a:t>
+              <a:t>06.07.2022</a:t>
             </a:fld>
             <a:endParaRPr lang="pl-PL"/>
           </a:p>
@@ -1956,7 +1961,7 @@
           <a:p>
             <a:fld id="{E78A12F8-3B6C-484A-82B1-35730D0D7E4C}" type="datetimeFigureOut">
               <a:rPr lang="pl-PL" smtClean="0"/>
-              <a:t>20.06.2022</a:t>
+              <a:t>06.07.2022</a:t>
             </a:fld>
             <a:endParaRPr lang="pl-PL"/>
           </a:p>
@@ -2069,7 +2074,7 @@
           <a:p>
             <a:fld id="{E78A12F8-3B6C-484A-82B1-35730D0D7E4C}" type="datetimeFigureOut">
               <a:rPr lang="pl-PL" smtClean="0"/>
-              <a:t>20.06.2022</a:t>
+              <a:t>06.07.2022</a:t>
             </a:fld>
             <a:endParaRPr lang="pl-PL"/>
           </a:p>
@@ -2380,7 +2385,7 @@
           <a:p>
             <a:fld id="{E78A12F8-3B6C-484A-82B1-35730D0D7E4C}" type="datetimeFigureOut">
               <a:rPr lang="pl-PL" smtClean="0"/>
-              <a:t>20.06.2022</a:t>
+              <a:t>06.07.2022</a:t>
             </a:fld>
             <a:endParaRPr lang="pl-PL"/>
           </a:p>
@@ -2668,7 +2673,7 @@
           <a:p>
             <a:fld id="{E78A12F8-3B6C-484A-82B1-35730D0D7E4C}" type="datetimeFigureOut">
               <a:rPr lang="pl-PL" smtClean="0"/>
-              <a:t>20.06.2022</a:t>
+              <a:t>06.07.2022</a:t>
             </a:fld>
             <a:endParaRPr lang="pl-PL"/>
           </a:p>
@@ -2909,7 +2914,7 @@
           <a:p>
             <a:fld id="{E78A12F8-3B6C-484A-82B1-35730D0D7E4C}" type="datetimeFigureOut">
               <a:rPr lang="pl-PL" smtClean="0"/>
-              <a:t>20.06.2022</a:t>
+              <a:t>06.07.2022</a:t>
             </a:fld>
             <a:endParaRPr lang="pl-PL"/>
           </a:p>
@@ -3315,7 +3320,7 @@
     <p:bg>
       <p:bgPr>
         <a:solidFill>
-          <a:srgbClr val="000000"/>
+          <a:schemeClr val="bg1"/>
         </a:solidFill>
         <a:effectLst/>
       </p:bgPr>
@@ -3336,10 +3341,10 @@
       </p:grpSpPr>
       <p:sp>
         <p:nvSpPr>
-          <p:cNvPr id="9" name="Rectangle 8">
-            <a:extLst>
-              <a:ext uri="{FF2B5EF4-FFF2-40B4-BE49-F238E27FC236}">
-                <a16:creationId xmlns:a16="http://schemas.microsoft.com/office/drawing/2014/main" id="{71B2258F-86CA-4D4D-8270-BC05FCDEBFB3}"/>
+          <p:cNvPr id="14" name="Rectangle 13">
+            <a:extLst>
+              <a:ext uri="{FF2B5EF4-FFF2-40B4-BE49-F238E27FC236}">
+                <a16:creationId xmlns:a16="http://schemas.microsoft.com/office/drawing/2014/main" id="{9228552E-C8B1-4A80-8448-0787CE0FC704}"/>
               </a:ext>
               <a:ext uri="{C183D7F6-B498-43B3-948B-1728B52AA6E4}">
                 <adec:decorative xmlns:adec="http://schemas.microsoft.com/office/drawing/2017/decorative" val="1"/>
@@ -3360,7 +3365,7 @@
         <p:spPr>
           <a:xfrm>
             <a:off x="0" y="0"/>
-            <a:ext cx="12192000" cy="6857999"/>
+            <a:ext cx="12192000" cy="6858000"/>
           </a:xfrm>
           <a:prstGeom prst="rect">
             <a:avLst/>
@@ -3399,10 +3404,10 @@
       </p:sp>
       <p:pic>
         <p:nvPicPr>
-          <p:cNvPr id="5" name="Picture 4" descr="Osoba grająca Boardgame">
-            <a:extLst>
-              <a:ext uri="{FF2B5EF4-FFF2-40B4-BE49-F238E27FC236}">
-                <a16:creationId xmlns:a16="http://schemas.microsoft.com/office/drawing/2014/main" id="{4140B62F-5E21-EEEE-E2DA-90826EBCE3C8}"/>
+          <p:cNvPr id="4" name="Obraz 3" descr="Obraz zawierający podłoże, szachownica&#10;&#10;Opis wygenerowany automatycznie">
+            <a:extLst>
+              <a:ext uri="{FF2B5EF4-FFF2-40B4-BE49-F238E27FC236}">
+                <a16:creationId xmlns:a16="http://schemas.microsoft.com/office/drawing/2014/main" id="{882B256B-F3C3-CF3A-6F70-B725453DC7C6}"/>
               </a:ext>
             </a:extLst>
           </p:cNvPr>
@@ -3413,15 +3418,20 @@
         </p:nvPicPr>
         <p:blipFill rotWithShape="1">
           <a:blip r:embed="rId2">
-            <a:alphaModFix amt="50000"/>
+            <a:alphaModFix amt="35000"/>
+            <a:extLst>
+              <a:ext uri="{28A0092B-C50C-407E-A947-70E740481C1C}">
+                <a14:useLocalDpi xmlns:a14="http://schemas.microsoft.com/office/drawing/2010/main" val="0"/>
+              </a:ext>
+            </a:extLst>
           </a:blip>
-          <a:srcRect t="4802" b="10612"/>
+          <a:srcRect t="5516" b="15812"/>
           <a:stretch/>
         </p:blipFill>
         <p:spPr>
           <a:xfrm>
-            <a:off x="20" y="-282022"/>
-            <a:ext cx="12191980" cy="6857999"/>
+            <a:off x="8878" y="35522"/>
+            <a:ext cx="12191980" cy="6857990"/>
           </a:xfrm>
           <a:prstGeom prst="rect">
             <a:avLst/>
@@ -3446,26 +3456,81 @@
         </p:nvSpPr>
         <p:spPr>
           <a:xfrm>
-            <a:off x="1447800" y="590550"/>
-            <a:ext cx="9144000" cy="1965480"/>
+            <a:off x="1840453" y="1364117"/>
+            <a:ext cx="8511073" cy="2228785"/>
           </a:xfrm>
         </p:spPr>
         <p:txBody>
-          <a:bodyPr vert="horz" lIns="91440" tIns="45720" rIns="91440" bIns="45720" rtlCol="0" anchor="b">
+          <a:bodyPr vert="horz" lIns="91440" tIns="45720" rIns="91440" bIns="45720" rtlCol="0" anchor="ctr">
             <a:normAutofit/>
           </a:bodyPr>
           <a:lstStyle/>
           <a:p>
             <a:pPr algn="ctr"/>
             <a:r>
-              <a:rPr lang="pl-PL" sz="6000" dirty="0">
+              <a:rPr lang="pl-PL" dirty="0">
                 <a:solidFill>
                   <a:srgbClr val="FFFFFF"/>
                 </a:solidFill>
               </a:rPr>
-              <a:t>Wykorzystanie algorytmu min-max w Warcabach</a:t>
-            </a:r>
-            <a:endParaRPr lang="en-US" sz="6000" dirty="0">
+              <a:t>Implementacja</a:t>
+            </a:r>
+            <a:r>
+              <a:rPr lang="en-US" dirty="0">
+                <a:solidFill>
+                  <a:srgbClr val="FFFFFF"/>
+                </a:solidFill>
+              </a:rPr>
+              <a:t> </a:t>
+            </a:r>
+            <a:r>
+              <a:rPr lang="en-US" dirty="0" err="1">
+                <a:solidFill>
+                  <a:srgbClr val="FFFFFF"/>
+                </a:solidFill>
+              </a:rPr>
+              <a:t>algorytmu</a:t>
+            </a:r>
+            <a:r>
+              <a:rPr lang="en-US" dirty="0">
+                <a:solidFill>
+                  <a:srgbClr val="FFFFFF"/>
+                </a:solidFill>
+              </a:rPr>
+              <a:t> </a:t>
+            </a:r>
+            <a:br>
+              <a:rPr lang="pl-PL" dirty="0">
+                <a:solidFill>
+                  <a:srgbClr val="FFFFFF"/>
+                </a:solidFill>
+              </a:rPr>
+            </a:br>
+            <a:r>
+              <a:rPr lang="en-US" dirty="0">
+                <a:solidFill>
+                  <a:srgbClr val="FFFFFF"/>
+                </a:solidFill>
+              </a:rPr>
+              <a:t>min-max w </a:t>
+            </a:r>
+            <a:r>
+              <a:rPr lang="pl-PL" dirty="0">
+                <a:solidFill>
+                  <a:srgbClr val="FFFFFF"/>
+                </a:solidFill>
+              </a:rPr>
+              <a:t>w</a:t>
+            </a:r>
+            <a:r>
+              <a:rPr lang="en-US" dirty="0" err="1">
+                <a:solidFill>
+                  <a:srgbClr val="FFFFFF"/>
+                </a:solidFill>
+              </a:rPr>
+              <a:t>arcabach</a:t>
+            </a:r>
+            <a:endParaRPr lang="en-US" dirty="0">
               <a:solidFill>
                 <a:srgbClr val="FFFFFF"/>
               </a:solidFill>
@@ -3487,23 +3552,42 @@
         </p:nvSpPr>
         <p:spPr>
           <a:xfrm>
-            <a:off x="4575106" y="2784232"/>
-            <a:ext cx="6162674" cy="369332"/>
+            <a:off x="4403935" y="3208143"/>
+            <a:ext cx="3845767" cy="441714"/>
           </a:xfrm>
           <a:prstGeom prst="rect">
             <a:avLst/>
           </a:prstGeom>
-          <a:noFill/>
         </p:spPr>
         <p:txBody>
-          <a:bodyPr wrap="square">
-            <a:spAutoFit/>
+          <a:bodyPr vert="horz" lIns="91440" tIns="45720" rIns="91440" bIns="45720" rtlCol="0">
+            <a:normAutofit/>
           </a:bodyPr>
           <a:lstStyle/>
           <a:p>
-            <a:r>
-              <a:rPr lang="pl-PL" dirty="0"/>
-              <a:t>Przygotował: Karol Profic 228836</a:t>
+            <a:pPr>
+              <a:lnSpc>
+                <a:spcPct val="90000"/>
+              </a:lnSpc>
+              <a:spcAft>
+                <a:spcPts val="600"/>
+              </a:spcAft>
+            </a:pPr>
+            <a:r>
+              <a:rPr lang="en-US" dirty="0" err="1">
+                <a:solidFill>
+                  <a:srgbClr val="FFFFFF"/>
+                </a:solidFill>
+              </a:rPr>
+              <a:t>Przygotował</a:t>
+            </a:r>
+            <a:r>
+              <a:rPr lang="en-US" dirty="0">
+                <a:solidFill>
+                  <a:srgbClr val="FFFFFF"/>
+                </a:solidFill>
+              </a:rPr>
+              <a:t>: Karol Profic 228836</a:t>
             </a:r>
           </a:p>
         </p:txBody>
